--- a/Iris_to_Jupyter/IRIS_to_Jupyter.pptx
+++ b/Iris_to_Jupyter/IRIS_to_Jupyter.pptx
@@ -286,7 +286,7 @@
           <a:p>
             <a:fld id="{C2C2BE22-2059-4B15-BC51-5D0A4039FD6C}" type="datetimeFigureOut">
               <a:rPr lang="ko-KR" altLang="en-US" smtClean="0"/>
-              <a:t>2020-01-22</a:t>
+              <a:t>2020-01-30</a:t>
             </a:fld>
             <a:endParaRPr lang="ko-KR" altLang="en-US"/>
           </a:p>
@@ -486,7 +486,7 @@
           <a:p>
             <a:fld id="{C2C2BE22-2059-4B15-BC51-5D0A4039FD6C}" type="datetimeFigureOut">
               <a:rPr lang="ko-KR" altLang="en-US" smtClean="0"/>
-              <a:t>2020-01-22</a:t>
+              <a:t>2020-01-30</a:t>
             </a:fld>
             <a:endParaRPr lang="ko-KR" altLang="en-US"/>
           </a:p>
@@ -696,7 +696,7 @@
           <a:p>
             <a:fld id="{C2C2BE22-2059-4B15-BC51-5D0A4039FD6C}" type="datetimeFigureOut">
               <a:rPr lang="ko-KR" altLang="en-US" smtClean="0"/>
-              <a:t>2020-01-22</a:t>
+              <a:t>2020-01-30</a:t>
             </a:fld>
             <a:endParaRPr lang="ko-KR" altLang="en-US"/>
           </a:p>
@@ -896,7 +896,7 @@
           <a:p>
             <a:fld id="{C2C2BE22-2059-4B15-BC51-5D0A4039FD6C}" type="datetimeFigureOut">
               <a:rPr lang="ko-KR" altLang="en-US" smtClean="0"/>
-              <a:t>2020-01-22</a:t>
+              <a:t>2020-01-30</a:t>
             </a:fld>
             <a:endParaRPr lang="ko-KR" altLang="en-US"/>
           </a:p>
@@ -1172,7 +1172,7 @@
           <a:p>
             <a:fld id="{C2C2BE22-2059-4B15-BC51-5D0A4039FD6C}" type="datetimeFigureOut">
               <a:rPr lang="ko-KR" altLang="en-US" smtClean="0"/>
-              <a:t>2020-01-22</a:t>
+              <a:t>2020-01-30</a:t>
             </a:fld>
             <a:endParaRPr lang="ko-KR" altLang="en-US"/>
           </a:p>
@@ -1440,7 +1440,7 @@
           <a:p>
             <a:fld id="{C2C2BE22-2059-4B15-BC51-5D0A4039FD6C}" type="datetimeFigureOut">
               <a:rPr lang="ko-KR" altLang="en-US" smtClean="0"/>
-              <a:t>2020-01-22</a:t>
+              <a:t>2020-01-30</a:t>
             </a:fld>
             <a:endParaRPr lang="ko-KR" altLang="en-US"/>
           </a:p>
@@ -1855,7 +1855,7 @@
           <a:p>
             <a:fld id="{C2C2BE22-2059-4B15-BC51-5D0A4039FD6C}" type="datetimeFigureOut">
               <a:rPr lang="ko-KR" altLang="en-US" smtClean="0"/>
-              <a:t>2020-01-22</a:t>
+              <a:t>2020-01-30</a:t>
             </a:fld>
             <a:endParaRPr lang="ko-KR" altLang="en-US"/>
           </a:p>
@@ -1997,7 +1997,7 @@
           <a:p>
             <a:fld id="{C2C2BE22-2059-4B15-BC51-5D0A4039FD6C}" type="datetimeFigureOut">
               <a:rPr lang="ko-KR" altLang="en-US" smtClean="0"/>
-              <a:t>2020-01-22</a:t>
+              <a:t>2020-01-30</a:t>
             </a:fld>
             <a:endParaRPr lang="ko-KR" altLang="en-US"/>
           </a:p>
@@ -2110,7 +2110,7 @@
           <a:p>
             <a:fld id="{C2C2BE22-2059-4B15-BC51-5D0A4039FD6C}" type="datetimeFigureOut">
               <a:rPr lang="ko-KR" altLang="en-US" smtClean="0"/>
-              <a:t>2020-01-22</a:t>
+              <a:t>2020-01-30</a:t>
             </a:fld>
             <a:endParaRPr lang="ko-KR" altLang="en-US"/>
           </a:p>
@@ -2423,7 +2423,7 @@
           <a:p>
             <a:fld id="{C2C2BE22-2059-4B15-BC51-5D0A4039FD6C}" type="datetimeFigureOut">
               <a:rPr lang="ko-KR" altLang="en-US" smtClean="0"/>
-              <a:t>2020-01-22</a:t>
+              <a:t>2020-01-30</a:t>
             </a:fld>
             <a:endParaRPr lang="ko-KR" altLang="en-US"/>
           </a:p>
@@ -2712,7 +2712,7 @@
           <a:p>
             <a:fld id="{C2C2BE22-2059-4B15-BC51-5D0A4039FD6C}" type="datetimeFigureOut">
               <a:rPr lang="ko-KR" altLang="en-US" smtClean="0"/>
-              <a:t>2020-01-22</a:t>
+              <a:t>2020-01-30</a:t>
             </a:fld>
             <a:endParaRPr lang="ko-KR" altLang="en-US"/>
           </a:p>
@@ -2955,7 +2955,7 @@
           <a:p>
             <a:fld id="{C2C2BE22-2059-4B15-BC51-5D0A4039FD6C}" type="datetimeFigureOut">
               <a:rPr lang="ko-KR" altLang="en-US" smtClean="0"/>
-              <a:t>2020-01-22</a:t>
+              <a:t>2020-01-30</a:t>
             </a:fld>
             <a:endParaRPr lang="ko-KR" altLang="en-US"/>
           </a:p>
@@ -3592,7 +3592,7 @@
         <p:grpSpPr>
           <a:xfrm>
             <a:off x="3517107" y="2438750"/>
-            <a:ext cx="4101998" cy="1336296"/>
+            <a:ext cx="3443379" cy="1101404"/>
             <a:chOff x="4538662" y="2933700"/>
             <a:chExt cx="3114675" cy="990600"/>
           </a:xfrm>
@@ -3763,7 +3763,7 @@
         <p:grpSpPr>
           <a:xfrm>
             <a:off x="3757872" y="2321173"/>
-            <a:ext cx="3137877" cy="1294482"/>
+            <a:ext cx="2651317" cy="1107827"/>
             <a:chOff x="3757872" y="2321173"/>
             <a:chExt cx="3137877" cy="1294482"/>
           </a:xfrm>
@@ -3933,8 +3933,8 @@
         </p:nvGrpSpPr>
         <p:grpSpPr>
           <a:xfrm>
-            <a:off x="3734979" y="2568603"/>
-            <a:ext cx="3437607" cy="860397"/>
+            <a:off x="3734980" y="2568603"/>
+            <a:ext cx="2909102" cy="686325"/>
             <a:chOff x="4833937" y="3171825"/>
             <a:chExt cx="2524125" cy="514350"/>
           </a:xfrm>
@@ -7079,10 +7079,10 @@
         </p:nvGrpSpPr>
         <p:grpSpPr>
           <a:xfrm>
-            <a:off x="3248044" y="2601933"/>
-            <a:ext cx="4889277" cy="714026"/>
-            <a:chOff x="4233862" y="3209924"/>
-            <a:chExt cx="3724275" cy="404813"/>
+            <a:off x="3248045" y="2683398"/>
+            <a:ext cx="4369160" cy="336743"/>
+            <a:chOff x="4233862" y="3281362"/>
+            <a:chExt cx="3724275" cy="295275"/>
           </a:xfrm>
         </p:grpSpPr>
         <p:pic>
@@ -7129,8 +7129,8 @@
           </p:nvSpPr>
           <p:spPr>
             <a:xfrm>
-              <a:off x="4857740" y="3209924"/>
-              <a:ext cx="609610" cy="404813"/>
+              <a:off x="4847545" y="3281362"/>
+              <a:ext cx="600665" cy="295275"/>
             </a:xfrm>
             <a:prstGeom prst="rect">
               <a:avLst/>

--- a/Iris_to_Jupyter/IRIS_to_Jupyter.pptx
+++ b/Iris_to_Jupyter/IRIS_to_Jupyter.pptx
@@ -4115,109 +4115,6 @@
           <a:chExt cx="0" cy="0"/>
         </a:xfrm>
       </p:grpSpPr>
-      <p:grpSp>
-        <p:nvGrpSpPr>
-          <p:cNvPr id="2" name="Group 1">
-            <a:extLst>
-              <a:ext uri="{FF2B5EF4-FFF2-40B4-BE49-F238E27FC236}">
-                <a16:creationId xmlns:a16="http://schemas.microsoft.com/office/drawing/2014/main" id="{B381C225-32F3-475A-96D5-D82A7CC3B32C}"/>
-              </a:ext>
-            </a:extLst>
-          </p:cNvPr>
-          <p:cNvGrpSpPr/>
-          <p:nvPr/>
-        </p:nvGrpSpPr>
-        <p:grpSpPr>
-          <a:xfrm>
-            <a:off x="1538286" y="1799875"/>
-            <a:ext cx="9034607" cy="2781998"/>
-            <a:chOff x="1538286" y="1799875"/>
-            <a:chExt cx="9034607" cy="2781998"/>
-          </a:xfrm>
-        </p:grpSpPr>
-        <p:pic>
-          <p:nvPicPr>
-            <p:cNvPr id="4" name="Picture 3">
-              <a:extLst>
-                <a:ext uri="{FF2B5EF4-FFF2-40B4-BE49-F238E27FC236}">
-                  <a16:creationId xmlns:a16="http://schemas.microsoft.com/office/drawing/2014/main" id="{F9CE65DF-CF8C-43F7-B6EC-91CFAB7106F1}"/>
-                </a:ext>
-              </a:extLst>
-            </p:cNvPr>
-            <p:cNvPicPr>
-              <a:picLocks noChangeAspect="1"/>
-            </p:cNvPicPr>
-            <p:nvPr/>
-          </p:nvPicPr>
-          <p:blipFill>
-            <a:blip r:embed="rId2"/>
-            <a:stretch>
-              <a:fillRect/>
-            </a:stretch>
-          </p:blipFill>
-          <p:spPr>
-            <a:xfrm>
-              <a:off x="1538286" y="1799875"/>
-              <a:ext cx="9034607" cy="2781998"/>
-            </a:xfrm>
-            <a:prstGeom prst="rect">
-              <a:avLst/>
-            </a:prstGeom>
-          </p:spPr>
-        </p:pic>
-        <p:sp>
-          <p:nvSpPr>
-            <p:cNvPr id="5" name="직사각형 6">
-              <a:extLst>
-                <a:ext uri="{FF2B5EF4-FFF2-40B4-BE49-F238E27FC236}">
-                  <a16:creationId xmlns:a16="http://schemas.microsoft.com/office/drawing/2014/main" id="{F891AF41-9DC9-48A8-8427-29AC779A78DE}"/>
-                </a:ext>
-              </a:extLst>
-            </p:cNvPr>
-            <p:cNvSpPr/>
-            <p:nvPr/>
-          </p:nvSpPr>
-          <p:spPr>
-            <a:xfrm>
-              <a:off x="9382122" y="1919635"/>
-              <a:ext cx="1128713" cy="807283"/>
-            </a:xfrm>
-            <a:prstGeom prst="rect">
-              <a:avLst/>
-            </a:prstGeom>
-            <a:noFill/>
-            <a:ln w="19050">
-              <a:solidFill>
-                <a:schemeClr val="accent2"/>
-              </a:solidFill>
-            </a:ln>
-          </p:spPr>
-          <p:style>
-            <a:lnRef idx="2">
-              <a:schemeClr val="accent1">
-                <a:shade val="50000"/>
-              </a:schemeClr>
-            </a:lnRef>
-            <a:fillRef idx="1">
-              <a:schemeClr val="accent1"/>
-            </a:fillRef>
-            <a:effectRef idx="0">
-              <a:schemeClr val="accent1"/>
-            </a:effectRef>
-            <a:fontRef idx="minor">
-              <a:schemeClr val="lt1"/>
-            </a:fontRef>
-          </p:style>
-          <p:txBody>
-            <a:bodyPr rtlCol="0" anchor="ctr"/>
-            <a:lstStyle/>
-            <a:p>
-              <a:pPr algn="ctr"/>
-              <a:endParaRPr lang="ko-KR" altLang="en-US"/>
-            </a:p>
-          </p:txBody>
-        </p:sp>
-      </p:grpSp>
       <p:sp>
         <p:nvSpPr>
           <p:cNvPr id="7" name="Rectangle 6">
@@ -4256,6 +4153,43 @@
           </a:p>
         </p:txBody>
       </p:sp>
+      <p:pic>
+        <p:nvPicPr>
+          <p:cNvPr id="3" name="Picture 2">
+            <a:extLst>
+              <a:ext uri="{FF2B5EF4-FFF2-40B4-BE49-F238E27FC236}">
+                <a16:creationId xmlns:a16="http://schemas.microsoft.com/office/drawing/2014/main" id="{2A25E5A8-5463-4622-A481-F3B88462BA0E}"/>
+              </a:ext>
+            </a:extLst>
+          </p:cNvPr>
+          <p:cNvPicPr>
+            <a:picLocks noChangeAspect="1"/>
+          </p:cNvPicPr>
+          <p:nvPr/>
+        </p:nvPicPr>
+        <p:blipFill>
+          <a:blip r:embed="rId2"/>
+          <a:stretch>
+            <a:fillRect/>
+          </a:stretch>
+        </p:blipFill>
+        <p:spPr>
+          <a:xfrm>
+            <a:off x="516728" y="1790450"/>
+            <a:ext cx="10642989" cy="3536559"/>
+          </a:xfrm>
+          <a:prstGeom prst="rect">
+            <a:avLst/>
+          </a:prstGeom>
+          <a:ln>
+            <a:solidFill>
+              <a:schemeClr val="bg1">
+                <a:lumMod val="65000"/>
+              </a:schemeClr>
+            </a:solidFill>
+          </a:ln>
+        </p:spPr>
+      </p:pic>
     </p:spTree>
     <p:extLst>
       <p:ext uri="{BB962C8B-B14F-4D97-AF65-F5344CB8AC3E}">
@@ -4935,109 +4869,43 @@
           </a:p>
         </p:txBody>
       </p:sp>
-      <p:grpSp>
-        <p:nvGrpSpPr>
-          <p:cNvPr id="8" name="Group 7">
-            <a:extLst>
-              <a:ext uri="{FF2B5EF4-FFF2-40B4-BE49-F238E27FC236}">
-                <a16:creationId xmlns:a16="http://schemas.microsoft.com/office/drawing/2014/main" id="{A0F6E46D-995F-4C7E-88F0-789A68E1BD77}"/>
-              </a:ext>
-            </a:extLst>
-          </p:cNvPr>
-          <p:cNvGrpSpPr/>
+      <p:pic>
+        <p:nvPicPr>
+          <p:cNvPr id="2" name="Picture 1">
+            <a:extLst>
+              <a:ext uri="{FF2B5EF4-FFF2-40B4-BE49-F238E27FC236}">
+                <a16:creationId xmlns:a16="http://schemas.microsoft.com/office/drawing/2014/main" id="{70F0EE59-0806-45D1-968F-EAA8FB06CB54}"/>
+              </a:ext>
+            </a:extLst>
+          </p:cNvPr>
+          <p:cNvPicPr>
+            <a:picLocks noChangeAspect="1"/>
+          </p:cNvPicPr>
           <p:nvPr/>
-        </p:nvGrpSpPr>
-        <p:grpSpPr>
+        </p:nvPicPr>
+        <p:blipFill>
+          <a:blip r:embed="rId2"/>
+          <a:stretch>
+            <a:fillRect/>
+          </a:stretch>
+        </p:blipFill>
+        <p:spPr>
           <a:xfrm>
-            <a:off x="1765195" y="1657350"/>
-            <a:ext cx="9174266" cy="2824575"/>
-            <a:chOff x="1765195" y="1657350"/>
-            <a:chExt cx="9174266" cy="2824575"/>
+            <a:off x="409434" y="1804648"/>
+            <a:ext cx="10513413" cy="3504471"/>
           </a:xfrm>
-        </p:grpSpPr>
-        <p:pic>
-          <p:nvPicPr>
-            <p:cNvPr id="4" name="Picture 3">
-              <a:extLst>
-                <a:ext uri="{FF2B5EF4-FFF2-40B4-BE49-F238E27FC236}">
-                  <a16:creationId xmlns:a16="http://schemas.microsoft.com/office/drawing/2014/main" id="{13A720FD-268B-4FDC-8D9B-F7CA47761D2E}"/>
-                </a:ext>
-              </a:extLst>
-            </p:cNvPr>
-            <p:cNvPicPr>
-              <a:picLocks noChangeAspect="1"/>
-            </p:cNvPicPr>
-            <p:nvPr/>
-          </p:nvPicPr>
-          <p:blipFill>
-            <a:blip r:embed="rId2"/>
-            <a:stretch>
-              <a:fillRect/>
-            </a:stretch>
-          </p:blipFill>
-          <p:spPr>
-            <a:xfrm>
-              <a:off x="1765195" y="1657350"/>
-              <a:ext cx="9174266" cy="2824575"/>
-            </a:xfrm>
-            <a:prstGeom prst="rect">
-              <a:avLst/>
-            </a:prstGeom>
-          </p:spPr>
-        </p:pic>
-        <p:sp>
-          <p:nvSpPr>
-            <p:cNvPr id="7" name="직사각형 6">
-              <a:extLst>
-                <a:ext uri="{FF2B5EF4-FFF2-40B4-BE49-F238E27FC236}">
-                  <a16:creationId xmlns:a16="http://schemas.microsoft.com/office/drawing/2014/main" id="{2306A719-BD61-4473-AD99-C34715628D1C}"/>
-                </a:ext>
-              </a:extLst>
-            </p:cNvPr>
-            <p:cNvSpPr/>
-            <p:nvPr/>
-          </p:nvSpPr>
-          <p:spPr>
-            <a:xfrm>
-              <a:off x="9744072" y="1781522"/>
-              <a:ext cx="1128713" cy="807283"/>
-            </a:xfrm>
-            <a:prstGeom prst="rect">
-              <a:avLst/>
-            </a:prstGeom>
-            <a:noFill/>
-            <a:ln w="19050">
-              <a:solidFill>
-                <a:schemeClr val="accent2"/>
-              </a:solidFill>
-            </a:ln>
-          </p:spPr>
-          <p:style>
-            <a:lnRef idx="2">
-              <a:schemeClr val="accent1">
-                <a:shade val="50000"/>
+          <a:prstGeom prst="rect">
+            <a:avLst/>
+          </a:prstGeom>
+          <a:ln>
+            <a:solidFill>
+              <a:schemeClr val="bg1">
+                <a:lumMod val="65000"/>
               </a:schemeClr>
-            </a:lnRef>
-            <a:fillRef idx="1">
-              <a:schemeClr val="accent1"/>
-            </a:fillRef>
-            <a:effectRef idx="0">
-              <a:schemeClr val="accent1"/>
-            </a:effectRef>
-            <a:fontRef idx="minor">
-              <a:schemeClr val="lt1"/>
-            </a:fontRef>
-          </p:style>
-          <p:txBody>
-            <a:bodyPr rtlCol="0" anchor="ctr"/>
-            <a:lstStyle/>
-            <a:p>
-              <a:pPr algn="ctr"/>
-              <a:endParaRPr lang="ko-KR" altLang="en-US"/>
-            </a:p>
-          </p:txBody>
-        </p:sp>
-      </p:grpSp>
+            </a:solidFill>
+          </a:ln>
+        </p:spPr>
+      </p:pic>
     </p:spTree>
     <p:extLst>
       <p:ext uri="{BB962C8B-B14F-4D97-AF65-F5344CB8AC3E}">
